--- a/ppt 16-9/0283.散会歌.pptx
+++ b/ppt 16-9/0283.散会歌.pptx
@@ -129,7 +129,7 @@
           <p:cNvPr id="2" name="标题 1">
             <a:extLst>
               <a:ext uri="{FF2B5EF4-FFF2-40B4-BE49-F238E27FC236}">
-                <a16:creationId xmlns:a16="http://schemas.microsoft.com/office/drawing/2014/main" id="{35C8A8D7-7326-2A95-378D-1AD5F9D69883}"/>
+                <a16:creationId xmlns:a16="http://schemas.microsoft.com/office/drawing/2014/main" id="{0AD98101-367A-7817-B0FB-F8F7AD4A33CE}"/>
               </a:ext>
             </a:extLst>
           </p:cNvPr>
@@ -166,7 +166,7 @@
           <p:cNvPr id="3" name="副标题 2">
             <a:extLst>
               <a:ext uri="{FF2B5EF4-FFF2-40B4-BE49-F238E27FC236}">
-                <a16:creationId xmlns:a16="http://schemas.microsoft.com/office/drawing/2014/main" id="{7D2008B6-27D1-2C91-7C8A-5FEF5B56039C}"/>
+                <a16:creationId xmlns:a16="http://schemas.microsoft.com/office/drawing/2014/main" id="{2A197C7F-AC64-BEB8-9209-D25FD83EE41F}"/>
               </a:ext>
             </a:extLst>
           </p:cNvPr>
@@ -236,7 +236,7 @@
           <p:cNvPr id="4" name="日期占位符 3">
             <a:extLst>
               <a:ext uri="{FF2B5EF4-FFF2-40B4-BE49-F238E27FC236}">
-                <a16:creationId xmlns:a16="http://schemas.microsoft.com/office/drawing/2014/main" id="{482F0D21-ECBE-6A8B-214B-67EC1984D5EC}"/>
+                <a16:creationId xmlns:a16="http://schemas.microsoft.com/office/drawing/2014/main" id="{AC1C048A-3E81-8467-14A1-24184B78AC82}"/>
               </a:ext>
             </a:extLst>
           </p:cNvPr>
@@ -252,7 +252,7 @@
           <a:bodyPr/>
           <a:lstStyle/>
           <a:p>
-            <a:fld id="{183C4286-93D8-4C0B-A6F6-95B3F0704564}" type="datetimeFigureOut">
+            <a:fld id="{AE23C087-C6EB-4203-897A-9C20A8F91580}" type="datetimeFigureOut">
               <a:rPr lang="zh-CN" altLang="en-US" smtClean="0"/>
               <a:t>2024/3/10</a:t>
             </a:fld>
@@ -265,7 +265,7 @@
           <p:cNvPr id="5" name="页脚占位符 4">
             <a:extLst>
               <a:ext uri="{FF2B5EF4-FFF2-40B4-BE49-F238E27FC236}">
-                <a16:creationId xmlns:a16="http://schemas.microsoft.com/office/drawing/2014/main" id="{22EEEAA0-6FA8-85B9-8D3E-6E344B92219F}"/>
+                <a16:creationId xmlns:a16="http://schemas.microsoft.com/office/drawing/2014/main" id="{5B29DFF1-04C5-B99D-35A0-3B857D22D541}"/>
               </a:ext>
             </a:extLst>
           </p:cNvPr>
@@ -290,7 +290,7 @@
           <p:cNvPr id="6" name="灯片编号占位符 5">
             <a:extLst>
               <a:ext uri="{FF2B5EF4-FFF2-40B4-BE49-F238E27FC236}">
-                <a16:creationId xmlns:a16="http://schemas.microsoft.com/office/drawing/2014/main" id="{06C2C44F-5478-E2A1-D4D1-47D2AF7BF7E5}"/>
+                <a16:creationId xmlns:a16="http://schemas.microsoft.com/office/drawing/2014/main" id="{0867D834-609B-EEBC-2CA6-A34DEB1F4B33}"/>
               </a:ext>
             </a:extLst>
           </p:cNvPr>
@@ -306,7 +306,7 @@
           <a:bodyPr/>
           <a:lstStyle/>
           <a:p>
-            <a:fld id="{04586AE6-A61D-4AC1-988E-7DF21E92E7D9}" type="slidenum">
+            <a:fld id="{E883A7E2-68D9-42E4-B4E4-A1CF3B1EAAB2}" type="slidenum">
               <a:rPr lang="zh-CN" altLang="en-US" smtClean="0"/>
               <a:t>‹#›</a:t>
             </a:fld>
@@ -317,7 +317,7 @@
     </p:spTree>
     <p:extLst>
       <p:ext uri="{BB962C8B-B14F-4D97-AF65-F5344CB8AC3E}">
-        <p14:creationId xmlns:p14="http://schemas.microsoft.com/office/powerpoint/2010/main" val="5603692"/>
+        <p14:creationId xmlns:p14="http://schemas.microsoft.com/office/powerpoint/2010/main" val="892322129"/>
       </p:ext>
     </p:extLst>
   </p:cSld>
@@ -349,7 +349,7 @@
           <p:cNvPr id="2" name="标题 1">
             <a:extLst>
               <a:ext uri="{FF2B5EF4-FFF2-40B4-BE49-F238E27FC236}">
-                <a16:creationId xmlns:a16="http://schemas.microsoft.com/office/drawing/2014/main" id="{077F4CA6-9987-E891-3474-FA5A7B2DA037}"/>
+                <a16:creationId xmlns:a16="http://schemas.microsoft.com/office/drawing/2014/main" id="{BA853C68-DA56-C3A9-D398-55F949D3DC8C}"/>
               </a:ext>
             </a:extLst>
           </p:cNvPr>
@@ -377,7 +377,7 @@
           <p:cNvPr id="3" name="竖排文字占位符 2">
             <a:extLst>
               <a:ext uri="{FF2B5EF4-FFF2-40B4-BE49-F238E27FC236}">
-                <a16:creationId xmlns:a16="http://schemas.microsoft.com/office/drawing/2014/main" id="{8A303B46-D70D-E83B-C8AF-65FE18041EB1}"/>
+                <a16:creationId xmlns:a16="http://schemas.microsoft.com/office/drawing/2014/main" id="{BCE60067-040A-2321-6DCB-7187D761E74B}"/>
               </a:ext>
             </a:extLst>
           </p:cNvPr>
@@ -434,7 +434,7 @@
           <p:cNvPr id="4" name="日期占位符 3">
             <a:extLst>
               <a:ext uri="{FF2B5EF4-FFF2-40B4-BE49-F238E27FC236}">
-                <a16:creationId xmlns:a16="http://schemas.microsoft.com/office/drawing/2014/main" id="{F3B839A6-9E54-CE3E-51D4-D8349C972054}"/>
+                <a16:creationId xmlns:a16="http://schemas.microsoft.com/office/drawing/2014/main" id="{22286DB1-41B6-F088-6C4E-DD43A980C57F}"/>
               </a:ext>
             </a:extLst>
           </p:cNvPr>
@@ -450,7 +450,7 @@
           <a:bodyPr/>
           <a:lstStyle/>
           <a:p>
-            <a:fld id="{183C4286-93D8-4C0B-A6F6-95B3F0704564}" type="datetimeFigureOut">
+            <a:fld id="{AE23C087-C6EB-4203-897A-9C20A8F91580}" type="datetimeFigureOut">
               <a:rPr lang="zh-CN" altLang="en-US" smtClean="0"/>
               <a:t>2024/3/10</a:t>
             </a:fld>
@@ -463,7 +463,7 @@
           <p:cNvPr id="5" name="页脚占位符 4">
             <a:extLst>
               <a:ext uri="{FF2B5EF4-FFF2-40B4-BE49-F238E27FC236}">
-                <a16:creationId xmlns:a16="http://schemas.microsoft.com/office/drawing/2014/main" id="{8ADDA7F4-E491-BE05-4F90-80BA075FC72C}"/>
+                <a16:creationId xmlns:a16="http://schemas.microsoft.com/office/drawing/2014/main" id="{0EB500C0-30FE-7275-A45C-A5D59F107866}"/>
               </a:ext>
             </a:extLst>
           </p:cNvPr>
@@ -488,7 +488,7 @@
           <p:cNvPr id="6" name="灯片编号占位符 5">
             <a:extLst>
               <a:ext uri="{FF2B5EF4-FFF2-40B4-BE49-F238E27FC236}">
-                <a16:creationId xmlns:a16="http://schemas.microsoft.com/office/drawing/2014/main" id="{A0922F38-9BDA-4049-3415-97B75CC010BC}"/>
+                <a16:creationId xmlns:a16="http://schemas.microsoft.com/office/drawing/2014/main" id="{2EA55409-8A40-05BD-2ADE-CD2B7E930F75}"/>
               </a:ext>
             </a:extLst>
           </p:cNvPr>
@@ -504,7 +504,7 @@
           <a:bodyPr/>
           <a:lstStyle/>
           <a:p>
-            <a:fld id="{04586AE6-A61D-4AC1-988E-7DF21E92E7D9}" type="slidenum">
+            <a:fld id="{E883A7E2-68D9-42E4-B4E4-A1CF3B1EAAB2}" type="slidenum">
               <a:rPr lang="zh-CN" altLang="en-US" smtClean="0"/>
               <a:t>‹#›</a:t>
             </a:fld>
@@ -515,7 +515,7 @@
     </p:spTree>
     <p:extLst>
       <p:ext uri="{BB962C8B-B14F-4D97-AF65-F5344CB8AC3E}">
-        <p14:creationId xmlns:p14="http://schemas.microsoft.com/office/powerpoint/2010/main" val="2369278858"/>
+        <p14:creationId xmlns:p14="http://schemas.microsoft.com/office/powerpoint/2010/main" val="3486195715"/>
       </p:ext>
     </p:extLst>
   </p:cSld>
@@ -547,7 +547,7 @@
           <p:cNvPr id="2" name="竖排标题 1">
             <a:extLst>
               <a:ext uri="{FF2B5EF4-FFF2-40B4-BE49-F238E27FC236}">
-                <a16:creationId xmlns:a16="http://schemas.microsoft.com/office/drawing/2014/main" id="{A4A16974-DC93-D875-1E14-841E9A091350}"/>
+                <a16:creationId xmlns:a16="http://schemas.microsoft.com/office/drawing/2014/main" id="{6E49D69B-1A61-4325-E50D-D63C328B9F49}"/>
               </a:ext>
             </a:extLst>
           </p:cNvPr>
@@ -580,7 +580,7 @@
           <p:cNvPr id="3" name="竖排文字占位符 2">
             <a:extLst>
               <a:ext uri="{FF2B5EF4-FFF2-40B4-BE49-F238E27FC236}">
-                <a16:creationId xmlns:a16="http://schemas.microsoft.com/office/drawing/2014/main" id="{A2B46FF1-3065-A9DC-555E-D6AA63FBE55A}"/>
+                <a16:creationId xmlns:a16="http://schemas.microsoft.com/office/drawing/2014/main" id="{66DFD665-AE8C-C81D-30BF-C5E828205972}"/>
               </a:ext>
             </a:extLst>
           </p:cNvPr>
@@ -642,7 +642,7 @@
           <p:cNvPr id="4" name="日期占位符 3">
             <a:extLst>
               <a:ext uri="{FF2B5EF4-FFF2-40B4-BE49-F238E27FC236}">
-                <a16:creationId xmlns:a16="http://schemas.microsoft.com/office/drawing/2014/main" id="{4AFA4752-635F-3A01-6CB3-531003703A21}"/>
+                <a16:creationId xmlns:a16="http://schemas.microsoft.com/office/drawing/2014/main" id="{88BA96DB-C38E-D228-86A2-41FF9006936B}"/>
               </a:ext>
             </a:extLst>
           </p:cNvPr>
@@ -658,7 +658,7 @@
           <a:bodyPr/>
           <a:lstStyle/>
           <a:p>
-            <a:fld id="{183C4286-93D8-4C0B-A6F6-95B3F0704564}" type="datetimeFigureOut">
+            <a:fld id="{AE23C087-C6EB-4203-897A-9C20A8F91580}" type="datetimeFigureOut">
               <a:rPr lang="zh-CN" altLang="en-US" smtClean="0"/>
               <a:t>2024/3/10</a:t>
             </a:fld>
@@ -671,7 +671,7 @@
           <p:cNvPr id="5" name="页脚占位符 4">
             <a:extLst>
               <a:ext uri="{FF2B5EF4-FFF2-40B4-BE49-F238E27FC236}">
-                <a16:creationId xmlns:a16="http://schemas.microsoft.com/office/drawing/2014/main" id="{B5B9290E-35BB-3568-6358-D5969FEF10F0}"/>
+                <a16:creationId xmlns:a16="http://schemas.microsoft.com/office/drawing/2014/main" id="{25EC0C5B-FA15-399E-4BBF-C9C195BD0C82}"/>
               </a:ext>
             </a:extLst>
           </p:cNvPr>
@@ -696,7 +696,7 @@
           <p:cNvPr id="6" name="灯片编号占位符 5">
             <a:extLst>
               <a:ext uri="{FF2B5EF4-FFF2-40B4-BE49-F238E27FC236}">
-                <a16:creationId xmlns:a16="http://schemas.microsoft.com/office/drawing/2014/main" id="{94AADFC1-2AA0-B38F-ECCA-B3DD5B24752A}"/>
+                <a16:creationId xmlns:a16="http://schemas.microsoft.com/office/drawing/2014/main" id="{348DB364-EA8F-75B3-9C8D-02F59DCE3EBC}"/>
               </a:ext>
             </a:extLst>
           </p:cNvPr>
@@ -712,7 +712,7 @@
           <a:bodyPr/>
           <a:lstStyle/>
           <a:p>
-            <a:fld id="{04586AE6-A61D-4AC1-988E-7DF21E92E7D9}" type="slidenum">
+            <a:fld id="{E883A7E2-68D9-42E4-B4E4-A1CF3B1EAAB2}" type="slidenum">
               <a:rPr lang="zh-CN" altLang="en-US" smtClean="0"/>
               <a:t>‹#›</a:t>
             </a:fld>
@@ -723,7 +723,7 @@
     </p:spTree>
     <p:extLst>
       <p:ext uri="{BB962C8B-B14F-4D97-AF65-F5344CB8AC3E}">
-        <p14:creationId xmlns:p14="http://schemas.microsoft.com/office/powerpoint/2010/main" val="4103564291"/>
+        <p14:creationId xmlns:p14="http://schemas.microsoft.com/office/powerpoint/2010/main" val="1115007194"/>
       </p:ext>
     </p:extLst>
   </p:cSld>
@@ -755,7 +755,7 @@
           <p:cNvPr id="2" name="标题 1">
             <a:extLst>
               <a:ext uri="{FF2B5EF4-FFF2-40B4-BE49-F238E27FC236}">
-                <a16:creationId xmlns:a16="http://schemas.microsoft.com/office/drawing/2014/main" id="{A138B64B-8D0D-D5F2-B2E3-9FB67C6C2229}"/>
+                <a16:creationId xmlns:a16="http://schemas.microsoft.com/office/drawing/2014/main" id="{973D3721-4547-4775-AF8E-86BE7734DF61}"/>
               </a:ext>
             </a:extLst>
           </p:cNvPr>
@@ -783,7 +783,7 @@
           <p:cNvPr id="3" name="内容占位符 2">
             <a:extLst>
               <a:ext uri="{FF2B5EF4-FFF2-40B4-BE49-F238E27FC236}">
-                <a16:creationId xmlns:a16="http://schemas.microsoft.com/office/drawing/2014/main" id="{BAD1FAD9-F09E-20B5-049C-2D12EC587A6D}"/>
+                <a16:creationId xmlns:a16="http://schemas.microsoft.com/office/drawing/2014/main" id="{504E6DA2-72A0-93C3-3C22-BCAEC38F1044}"/>
               </a:ext>
             </a:extLst>
           </p:cNvPr>
@@ -840,7 +840,7 @@
           <p:cNvPr id="4" name="日期占位符 3">
             <a:extLst>
               <a:ext uri="{FF2B5EF4-FFF2-40B4-BE49-F238E27FC236}">
-                <a16:creationId xmlns:a16="http://schemas.microsoft.com/office/drawing/2014/main" id="{8F36F377-7931-DB20-3189-122538A32B2F}"/>
+                <a16:creationId xmlns:a16="http://schemas.microsoft.com/office/drawing/2014/main" id="{71FCF4DB-04F2-6BD3-6E55-50FF46FAE618}"/>
               </a:ext>
             </a:extLst>
           </p:cNvPr>
@@ -856,7 +856,7 @@
           <a:bodyPr/>
           <a:lstStyle/>
           <a:p>
-            <a:fld id="{183C4286-93D8-4C0B-A6F6-95B3F0704564}" type="datetimeFigureOut">
+            <a:fld id="{AE23C087-C6EB-4203-897A-9C20A8F91580}" type="datetimeFigureOut">
               <a:rPr lang="zh-CN" altLang="en-US" smtClean="0"/>
               <a:t>2024/3/10</a:t>
             </a:fld>
@@ -869,7 +869,7 @@
           <p:cNvPr id="5" name="页脚占位符 4">
             <a:extLst>
               <a:ext uri="{FF2B5EF4-FFF2-40B4-BE49-F238E27FC236}">
-                <a16:creationId xmlns:a16="http://schemas.microsoft.com/office/drawing/2014/main" id="{23590FE6-F857-28CE-3C9C-587AF792A6A7}"/>
+                <a16:creationId xmlns:a16="http://schemas.microsoft.com/office/drawing/2014/main" id="{9617F4D0-1C41-8EC3-4BE0-AD79276500EA}"/>
               </a:ext>
             </a:extLst>
           </p:cNvPr>
@@ -894,7 +894,7 @@
           <p:cNvPr id="6" name="灯片编号占位符 5">
             <a:extLst>
               <a:ext uri="{FF2B5EF4-FFF2-40B4-BE49-F238E27FC236}">
-                <a16:creationId xmlns:a16="http://schemas.microsoft.com/office/drawing/2014/main" id="{AAAC96BA-FB75-36B6-3CE8-A64593928475}"/>
+                <a16:creationId xmlns:a16="http://schemas.microsoft.com/office/drawing/2014/main" id="{4A661B85-3621-CADB-2422-41529AE4E182}"/>
               </a:ext>
             </a:extLst>
           </p:cNvPr>
@@ -910,7 +910,7 @@
           <a:bodyPr/>
           <a:lstStyle/>
           <a:p>
-            <a:fld id="{04586AE6-A61D-4AC1-988E-7DF21E92E7D9}" type="slidenum">
+            <a:fld id="{E883A7E2-68D9-42E4-B4E4-A1CF3B1EAAB2}" type="slidenum">
               <a:rPr lang="zh-CN" altLang="en-US" smtClean="0"/>
               <a:t>‹#›</a:t>
             </a:fld>
@@ -921,7 +921,7 @@
     </p:spTree>
     <p:extLst>
       <p:ext uri="{BB962C8B-B14F-4D97-AF65-F5344CB8AC3E}">
-        <p14:creationId xmlns:p14="http://schemas.microsoft.com/office/powerpoint/2010/main" val="852146054"/>
+        <p14:creationId xmlns:p14="http://schemas.microsoft.com/office/powerpoint/2010/main" val="3636532367"/>
       </p:ext>
     </p:extLst>
   </p:cSld>
@@ -953,7 +953,7 @@
           <p:cNvPr id="2" name="标题 1">
             <a:extLst>
               <a:ext uri="{FF2B5EF4-FFF2-40B4-BE49-F238E27FC236}">
-                <a16:creationId xmlns:a16="http://schemas.microsoft.com/office/drawing/2014/main" id="{D52D7C25-DE69-E4A5-7EAA-72B371098B2F}"/>
+                <a16:creationId xmlns:a16="http://schemas.microsoft.com/office/drawing/2014/main" id="{DA503CBF-D29D-8ED8-A74B-B218CF3EA520}"/>
               </a:ext>
             </a:extLst>
           </p:cNvPr>
@@ -990,7 +990,7 @@
           <p:cNvPr id="3" name="文本占位符 2">
             <a:extLst>
               <a:ext uri="{FF2B5EF4-FFF2-40B4-BE49-F238E27FC236}">
-                <a16:creationId xmlns:a16="http://schemas.microsoft.com/office/drawing/2014/main" id="{3FD5A98B-85CA-54EE-49E5-71EB75F289D6}"/>
+                <a16:creationId xmlns:a16="http://schemas.microsoft.com/office/drawing/2014/main" id="{AC55EE17-5102-A14D-4896-D5516BFD270F}"/>
               </a:ext>
             </a:extLst>
           </p:cNvPr>
@@ -1115,7 +1115,7 @@
           <p:cNvPr id="4" name="日期占位符 3">
             <a:extLst>
               <a:ext uri="{FF2B5EF4-FFF2-40B4-BE49-F238E27FC236}">
-                <a16:creationId xmlns:a16="http://schemas.microsoft.com/office/drawing/2014/main" id="{AEBE2C6F-29FD-7A37-A438-81EFD6CA47C3}"/>
+                <a16:creationId xmlns:a16="http://schemas.microsoft.com/office/drawing/2014/main" id="{1E28B98E-B0E8-4939-F3AD-800B3435D0D5}"/>
               </a:ext>
             </a:extLst>
           </p:cNvPr>
@@ -1131,7 +1131,7 @@
           <a:bodyPr/>
           <a:lstStyle/>
           <a:p>
-            <a:fld id="{183C4286-93D8-4C0B-A6F6-95B3F0704564}" type="datetimeFigureOut">
+            <a:fld id="{AE23C087-C6EB-4203-897A-9C20A8F91580}" type="datetimeFigureOut">
               <a:rPr lang="zh-CN" altLang="en-US" smtClean="0"/>
               <a:t>2024/3/10</a:t>
             </a:fld>
@@ -1144,7 +1144,7 @@
           <p:cNvPr id="5" name="页脚占位符 4">
             <a:extLst>
               <a:ext uri="{FF2B5EF4-FFF2-40B4-BE49-F238E27FC236}">
-                <a16:creationId xmlns:a16="http://schemas.microsoft.com/office/drawing/2014/main" id="{3B0A50B2-0906-6455-A4A4-3E36A7D9CC39}"/>
+                <a16:creationId xmlns:a16="http://schemas.microsoft.com/office/drawing/2014/main" id="{E9D841A1-60AE-2900-6ACF-4736892FFA2D}"/>
               </a:ext>
             </a:extLst>
           </p:cNvPr>
@@ -1169,7 +1169,7 @@
           <p:cNvPr id="6" name="灯片编号占位符 5">
             <a:extLst>
               <a:ext uri="{FF2B5EF4-FFF2-40B4-BE49-F238E27FC236}">
-                <a16:creationId xmlns:a16="http://schemas.microsoft.com/office/drawing/2014/main" id="{00FDBDD8-0AF4-063E-A6A0-9EA561416448}"/>
+                <a16:creationId xmlns:a16="http://schemas.microsoft.com/office/drawing/2014/main" id="{A12750BF-6B46-84F5-19B6-26B1764E1B1C}"/>
               </a:ext>
             </a:extLst>
           </p:cNvPr>
@@ -1185,7 +1185,7 @@
           <a:bodyPr/>
           <a:lstStyle/>
           <a:p>
-            <a:fld id="{04586AE6-A61D-4AC1-988E-7DF21E92E7D9}" type="slidenum">
+            <a:fld id="{E883A7E2-68D9-42E4-B4E4-A1CF3B1EAAB2}" type="slidenum">
               <a:rPr lang="zh-CN" altLang="en-US" smtClean="0"/>
               <a:t>‹#›</a:t>
             </a:fld>
@@ -1196,7 +1196,7 @@
     </p:spTree>
     <p:extLst>
       <p:ext uri="{BB962C8B-B14F-4D97-AF65-F5344CB8AC3E}">
-        <p14:creationId xmlns:p14="http://schemas.microsoft.com/office/powerpoint/2010/main" val="2304663047"/>
+        <p14:creationId xmlns:p14="http://schemas.microsoft.com/office/powerpoint/2010/main" val="182591748"/>
       </p:ext>
     </p:extLst>
   </p:cSld>
@@ -1228,7 +1228,7 @@
           <p:cNvPr id="2" name="标题 1">
             <a:extLst>
               <a:ext uri="{FF2B5EF4-FFF2-40B4-BE49-F238E27FC236}">
-                <a16:creationId xmlns:a16="http://schemas.microsoft.com/office/drawing/2014/main" id="{86C506E0-D0D0-4E3E-7F6A-1E0FB325CD9B}"/>
+                <a16:creationId xmlns:a16="http://schemas.microsoft.com/office/drawing/2014/main" id="{257A785F-04CF-FFC4-92B1-7B556F6658F0}"/>
               </a:ext>
             </a:extLst>
           </p:cNvPr>
@@ -1256,7 +1256,7 @@
           <p:cNvPr id="3" name="内容占位符 2">
             <a:extLst>
               <a:ext uri="{FF2B5EF4-FFF2-40B4-BE49-F238E27FC236}">
-                <a16:creationId xmlns:a16="http://schemas.microsoft.com/office/drawing/2014/main" id="{2BE242FF-6D09-5996-677E-208773C33F92}"/>
+                <a16:creationId xmlns:a16="http://schemas.microsoft.com/office/drawing/2014/main" id="{E50C6650-2CF9-2D94-9B21-021CD9477A92}"/>
               </a:ext>
             </a:extLst>
           </p:cNvPr>
@@ -1318,7 +1318,7 @@
           <p:cNvPr id="4" name="内容占位符 3">
             <a:extLst>
               <a:ext uri="{FF2B5EF4-FFF2-40B4-BE49-F238E27FC236}">
-                <a16:creationId xmlns:a16="http://schemas.microsoft.com/office/drawing/2014/main" id="{FBA06C1F-9D9B-0AC1-D574-A64BB53ADFEA}"/>
+                <a16:creationId xmlns:a16="http://schemas.microsoft.com/office/drawing/2014/main" id="{ABF71F3C-8D5E-D5B9-B72B-8DC0620C843F}"/>
               </a:ext>
             </a:extLst>
           </p:cNvPr>
@@ -1380,7 +1380,7 @@
           <p:cNvPr id="5" name="日期占位符 4">
             <a:extLst>
               <a:ext uri="{FF2B5EF4-FFF2-40B4-BE49-F238E27FC236}">
-                <a16:creationId xmlns:a16="http://schemas.microsoft.com/office/drawing/2014/main" id="{16B940C6-E63E-2DAE-745A-DD304F4A214F}"/>
+                <a16:creationId xmlns:a16="http://schemas.microsoft.com/office/drawing/2014/main" id="{6D4C512A-FABF-0A08-0751-7069F1F25420}"/>
               </a:ext>
             </a:extLst>
           </p:cNvPr>
@@ -1396,7 +1396,7 @@
           <a:bodyPr/>
           <a:lstStyle/>
           <a:p>
-            <a:fld id="{183C4286-93D8-4C0B-A6F6-95B3F0704564}" type="datetimeFigureOut">
+            <a:fld id="{AE23C087-C6EB-4203-897A-9C20A8F91580}" type="datetimeFigureOut">
               <a:rPr lang="zh-CN" altLang="en-US" smtClean="0"/>
               <a:t>2024/3/10</a:t>
             </a:fld>
@@ -1409,7 +1409,7 @@
           <p:cNvPr id="6" name="页脚占位符 5">
             <a:extLst>
               <a:ext uri="{FF2B5EF4-FFF2-40B4-BE49-F238E27FC236}">
-                <a16:creationId xmlns:a16="http://schemas.microsoft.com/office/drawing/2014/main" id="{D3AED9C8-397C-A95B-6058-729B5666E76F}"/>
+                <a16:creationId xmlns:a16="http://schemas.microsoft.com/office/drawing/2014/main" id="{346A46C5-9943-A4F7-1A26-B2C1AA1879F2}"/>
               </a:ext>
             </a:extLst>
           </p:cNvPr>
@@ -1434,7 +1434,7 @@
           <p:cNvPr id="7" name="灯片编号占位符 6">
             <a:extLst>
               <a:ext uri="{FF2B5EF4-FFF2-40B4-BE49-F238E27FC236}">
-                <a16:creationId xmlns:a16="http://schemas.microsoft.com/office/drawing/2014/main" id="{4DCED20B-5282-C0D8-5001-72B37066CE8B}"/>
+                <a16:creationId xmlns:a16="http://schemas.microsoft.com/office/drawing/2014/main" id="{ED5C0B7B-28B2-60A1-B1B3-8F7A98FEEFF3}"/>
               </a:ext>
             </a:extLst>
           </p:cNvPr>
@@ -1450,7 +1450,7 @@
           <a:bodyPr/>
           <a:lstStyle/>
           <a:p>
-            <a:fld id="{04586AE6-A61D-4AC1-988E-7DF21E92E7D9}" type="slidenum">
+            <a:fld id="{E883A7E2-68D9-42E4-B4E4-A1CF3B1EAAB2}" type="slidenum">
               <a:rPr lang="zh-CN" altLang="en-US" smtClean="0"/>
               <a:t>‹#›</a:t>
             </a:fld>
@@ -1461,7 +1461,7 @@
     </p:spTree>
     <p:extLst>
       <p:ext uri="{BB962C8B-B14F-4D97-AF65-F5344CB8AC3E}">
-        <p14:creationId xmlns:p14="http://schemas.microsoft.com/office/powerpoint/2010/main" val="4285027879"/>
+        <p14:creationId xmlns:p14="http://schemas.microsoft.com/office/powerpoint/2010/main" val="2118404036"/>
       </p:ext>
     </p:extLst>
   </p:cSld>
@@ -1493,7 +1493,7 @@
           <p:cNvPr id="2" name="标题 1">
             <a:extLst>
               <a:ext uri="{FF2B5EF4-FFF2-40B4-BE49-F238E27FC236}">
-                <a16:creationId xmlns:a16="http://schemas.microsoft.com/office/drawing/2014/main" id="{21F9E6D1-CA74-F815-F514-6A3D8E04003B}"/>
+                <a16:creationId xmlns:a16="http://schemas.microsoft.com/office/drawing/2014/main" id="{03531D6C-4DB5-14B4-1290-71BD753E4082}"/>
               </a:ext>
             </a:extLst>
           </p:cNvPr>
@@ -1526,7 +1526,7 @@
           <p:cNvPr id="3" name="文本占位符 2">
             <a:extLst>
               <a:ext uri="{FF2B5EF4-FFF2-40B4-BE49-F238E27FC236}">
-                <a16:creationId xmlns:a16="http://schemas.microsoft.com/office/drawing/2014/main" id="{6BB53F9F-556D-D4F1-1DDB-EFA12EBA4AD4}"/>
+                <a16:creationId xmlns:a16="http://schemas.microsoft.com/office/drawing/2014/main" id="{EF98B43B-74C0-ACB3-11ED-C09A84DCB103}"/>
               </a:ext>
             </a:extLst>
           </p:cNvPr>
@@ -1597,7 +1597,7 @@
           <p:cNvPr id="4" name="内容占位符 3">
             <a:extLst>
               <a:ext uri="{FF2B5EF4-FFF2-40B4-BE49-F238E27FC236}">
-                <a16:creationId xmlns:a16="http://schemas.microsoft.com/office/drawing/2014/main" id="{B0DFDB6F-D30D-5ABE-D352-BB3AD8513C7F}"/>
+                <a16:creationId xmlns:a16="http://schemas.microsoft.com/office/drawing/2014/main" id="{7D0AE2CE-595B-4B49-5CF6-249BB0618F50}"/>
               </a:ext>
             </a:extLst>
           </p:cNvPr>
@@ -1659,7 +1659,7 @@
           <p:cNvPr id="5" name="文本占位符 4">
             <a:extLst>
               <a:ext uri="{FF2B5EF4-FFF2-40B4-BE49-F238E27FC236}">
-                <a16:creationId xmlns:a16="http://schemas.microsoft.com/office/drawing/2014/main" id="{540EAC40-75DF-2708-AA48-0CCDFBAC1411}"/>
+                <a16:creationId xmlns:a16="http://schemas.microsoft.com/office/drawing/2014/main" id="{0F323A58-D133-3C31-C6EC-F406DE778B35}"/>
               </a:ext>
             </a:extLst>
           </p:cNvPr>
@@ -1730,7 +1730,7 @@
           <p:cNvPr id="6" name="内容占位符 5">
             <a:extLst>
               <a:ext uri="{FF2B5EF4-FFF2-40B4-BE49-F238E27FC236}">
-                <a16:creationId xmlns:a16="http://schemas.microsoft.com/office/drawing/2014/main" id="{52EA6822-B915-758D-E1A9-9565D8F4ECDC}"/>
+                <a16:creationId xmlns:a16="http://schemas.microsoft.com/office/drawing/2014/main" id="{BFCF05E2-D71C-3108-1EB0-B76DAAB0A606}"/>
               </a:ext>
             </a:extLst>
           </p:cNvPr>
@@ -1792,7 +1792,7 @@
           <p:cNvPr id="7" name="日期占位符 6">
             <a:extLst>
               <a:ext uri="{FF2B5EF4-FFF2-40B4-BE49-F238E27FC236}">
-                <a16:creationId xmlns:a16="http://schemas.microsoft.com/office/drawing/2014/main" id="{5EA3F331-763B-EA75-15F2-2665C4B56EB3}"/>
+                <a16:creationId xmlns:a16="http://schemas.microsoft.com/office/drawing/2014/main" id="{C913867E-44CA-6961-8989-158D5FB4D46B}"/>
               </a:ext>
             </a:extLst>
           </p:cNvPr>
@@ -1808,7 +1808,7 @@
           <a:bodyPr/>
           <a:lstStyle/>
           <a:p>
-            <a:fld id="{183C4286-93D8-4C0B-A6F6-95B3F0704564}" type="datetimeFigureOut">
+            <a:fld id="{AE23C087-C6EB-4203-897A-9C20A8F91580}" type="datetimeFigureOut">
               <a:rPr lang="zh-CN" altLang="en-US" smtClean="0"/>
               <a:t>2024/3/10</a:t>
             </a:fld>
@@ -1821,7 +1821,7 @@
           <p:cNvPr id="8" name="页脚占位符 7">
             <a:extLst>
               <a:ext uri="{FF2B5EF4-FFF2-40B4-BE49-F238E27FC236}">
-                <a16:creationId xmlns:a16="http://schemas.microsoft.com/office/drawing/2014/main" id="{16BAD1AA-F1D7-E4BD-270F-795904741407}"/>
+                <a16:creationId xmlns:a16="http://schemas.microsoft.com/office/drawing/2014/main" id="{6A68CB30-9FC6-978F-6076-ED939CC7513C}"/>
               </a:ext>
             </a:extLst>
           </p:cNvPr>
@@ -1846,7 +1846,7 @@
           <p:cNvPr id="9" name="灯片编号占位符 8">
             <a:extLst>
               <a:ext uri="{FF2B5EF4-FFF2-40B4-BE49-F238E27FC236}">
-                <a16:creationId xmlns:a16="http://schemas.microsoft.com/office/drawing/2014/main" id="{DE704781-8AD9-1A6A-F789-995B2F344A42}"/>
+                <a16:creationId xmlns:a16="http://schemas.microsoft.com/office/drawing/2014/main" id="{DBD2C8F3-6AF6-228F-6E36-80D33A1D0797}"/>
               </a:ext>
             </a:extLst>
           </p:cNvPr>
@@ -1862,7 +1862,7 @@
           <a:bodyPr/>
           <a:lstStyle/>
           <a:p>
-            <a:fld id="{04586AE6-A61D-4AC1-988E-7DF21E92E7D9}" type="slidenum">
+            <a:fld id="{E883A7E2-68D9-42E4-B4E4-A1CF3B1EAAB2}" type="slidenum">
               <a:rPr lang="zh-CN" altLang="en-US" smtClean="0"/>
               <a:t>‹#›</a:t>
             </a:fld>
@@ -1873,7 +1873,7 @@
     </p:spTree>
     <p:extLst>
       <p:ext uri="{BB962C8B-B14F-4D97-AF65-F5344CB8AC3E}">
-        <p14:creationId xmlns:p14="http://schemas.microsoft.com/office/powerpoint/2010/main" val="2875830491"/>
+        <p14:creationId xmlns:p14="http://schemas.microsoft.com/office/powerpoint/2010/main" val="44098910"/>
       </p:ext>
     </p:extLst>
   </p:cSld>
@@ -1905,7 +1905,7 @@
           <p:cNvPr id="2" name="标题 1">
             <a:extLst>
               <a:ext uri="{FF2B5EF4-FFF2-40B4-BE49-F238E27FC236}">
-                <a16:creationId xmlns:a16="http://schemas.microsoft.com/office/drawing/2014/main" id="{121D1B83-BD19-A5F2-E7AE-0AE80CB7C1EC}"/>
+                <a16:creationId xmlns:a16="http://schemas.microsoft.com/office/drawing/2014/main" id="{760BB9B8-2D86-A584-FAAF-A67775D57144}"/>
               </a:ext>
             </a:extLst>
           </p:cNvPr>
@@ -1933,7 +1933,7 @@
           <p:cNvPr id="3" name="日期占位符 2">
             <a:extLst>
               <a:ext uri="{FF2B5EF4-FFF2-40B4-BE49-F238E27FC236}">
-                <a16:creationId xmlns:a16="http://schemas.microsoft.com/office/drawing/2014/main" id="{A0B78F2E-30BA-AABB-49F8-A4996E046268}"/>
+                <a16:creationId xmlns:a16="http://schemas.microsoft.com/office/drawing/2014/main" id="{4FB9B7D2-7C9A-570E-E065-C42767E82808}"/>
               </a:ext>
             </a:extLst>
           </p:cNvPr>
@@ -1949,7 +1949,7 @@
           <a:bodyPr/>
           <a:lstStyle/>
           <a:p>
-            <a:fld id="{183C4286-93D8-4C0B-A6F6-95B3F0704564}" type="datetimeFigureOut">
+            <a:fld id="{AE23C087-C6EB-4203-897A-9C20A8F91580}" type="datetimeFigureOut">
               <a:rPr lang="zh-CN" altLang="en-US" smtClean="0"/>
               <a:t>2024/3/10</a:t>
             </a:fld>
@@ -1962,7 +1962,7 @@
           <p:cNvPr id="4" name="页脚占位符 3">
             <a:extLst>
               <a:ext uri="{FF2B5EF4-FFF2-40B4-BE49-F238E27FC236}">
-                <a16:creationId xmlns:a16="http://schemas.microsoft.com/office/drawing/2014/main" id="{64C56D36-C827-1FD3-BCD9-4AAE55AD4DF0}"/>
+                <a16:creationId xmlns:a16="http://schemas.microsoft.com/office/drawing/2014/main" id="{DFE26588-E36D-5F85-4416-8DD9E35E7F71}"/>
               </a:ext>
             </a:extLst>
           </p:cNvPr>
@@ -1987,7 +1987,7 @@
           <p:cNvPr id="5" name="灯片编号占位符 4">
             <a:extLst>
               <a:ext uri="{FF2B5EF4-FFF2-40B4-BE49-F238E27FC236}">
-                <a16:creationId xmlns:a16="http://schemas.microsoft.com/office/drawing/2014/main" id="{216386C3-62F9-63B6-BD12-24A190C24958}"/>
+                <a16:creationId xmlns:a16="http://schemas.microsoft.com/office/drawing/2014/main" id="{2AFA84A6-F249-8815-789B-56B94C6EF42E}"/>
               </a:ext>
             </a:extLst>
           </p:cNvPr>
@@ -2003,7 +2003,7 @@
           <a:bodyPr/>
           <a:lstStyle/>
           <a:p>
-            <a:fld id="{04586AE6-A61D-4AC1-988E-7DF21E92E7D9}" type="slidenum">
+            <a:fld id="{E883A7E2-68D9-42E4-B4E4-A1CF3B1EAAB2}" type="slidenum">
               <a:rPr lang="zh-CN" altLang="en-US" smtClean="0"/>
               <a:t>‹#›</a:t>
             </a:fld>
@@ -2014,7 +2014,7 @@
     </p:spTree>
     <p:extLst>
       <p:ext uri="{BB962C8B-B14F-4D97-AF65-F5344CB8AC3E}">
-        <p14:creationId xmlns:p14="http://schemas.microsoft.com/office/powerpoint/2010/main" val="4124286718"/>
+        <p14:creationId xmlns:p14="http://schemas.microsoft.com/office/powerpoint/2010/main" val="565647728"/>
       </p:ext>
     </p:extLst>
   </p:cSld>
@@ -2046,7 +2046,7 @@
           <p:cNvPr id="2" name="日期占位符 1">
             <a:extLst>
               <a:ext uri="{FF2B5EF4-FFF2-40B4-BE49-F238E27FC236}">
-                <a16:creationId xmlns:a16="http://schemas.microsoft.com/office/drawing/2014/main" id="{7D1DA90B-0087-78D9-E52D-CF4A3C1E41B4}"/>
+                <a16:creationId xmlns:a16="http://schemas.microsoft.com/office/drawing/2014/main" id="{DCAEA9F4-4958-5F56-F261-0F3CF43112C8}"/>
               </a:ext>
             </a:extLst>
           </p:cNvPr>
@@ -2062,7 +2062,7 @@
           <a:bodyPr/>
           <a:lstStyle/>
           <a:p>
-            <a:fld id="{183C4286-93D8-4C0B-A6F6-95B3F0704564}" type="datetimeFigureOut">
+            <a:fld id="{AE23C087-C6EB-4203-897A-9C20A8F91580}" type="datetimeFigureOut">
               <a:rPr lang="zh-CN" altLang="en-US" smtClean="0"/>
               <a:t>2024/3/10</a:t>
             </a:fld>
@@ -2075,7 +2075,7 @@
           <p:cNvPr id="3" name="页脚占位符 2">
             <a:extLst>
               <a:ext uri="{FF2B5EF4-FFF2-40B4-BE49-F238E27FC236}">
-                <a16:creationId xmlns:a16="http://schemas.microsoft.com/office/drawing/2014/main" id="{C7389FF0-2658-D019-E36A-CEAB0ACA491E}"/>
+                <a16:creationId xmlns:a16="http://schemas.microsoft.com/office/drawing/2014/main" id="{4B8AEC54-49CA-671C-3DB7-F766243750B5}"/>
               </a:ext>
             </a:extLst>
           </p:cNvPr>
@@ -2100,7 +2100,7 @@
           <p:cNvPr id="4" name="灯片编号占位符 3">
             <a:extLst>
               <a:ext uri="{FF2B5EF4-FFF2-40B4-BE49-F238E27FC236}">
-                <a16:creationId xmlns:a16="http://schemas.microsoft.com/office/drawing/2014/main" id="{F54178DB-3DB3-4644-1813-C759912FDB92}"/>
+                <a16:creationId xmlns:a16="http://schemas.microsoft.com/office/drawing/2014/main" id="{DEDC9F7B-E7FB-2231-6B7B-2072422EDA59}"/>
               </a:ext>
             </a:extLst>
           </p:cNvPr>
@@ -2116,7 +2116,7 @@
           <a:bodyPr/>
           <a:lstStyle/>
           <a:p>
-            <a:fld id="{04586AE6-A61D-4AC1-988E-7DF21E92E7D9}" type="slidenum">
+            <a:fld id="{E883A7E2-68D9-42E4-B4E4-A1CF3B1EAAB2}" type="slidenum">
               <a:rPr lang="zh-CN" altLang="en-US" smtClean="0"/>
               <a:t>‹#›</a:t>
             </a:fld>
@@ -2127,7 +2127,7 @@
     </p:spTree>
     <p:extLst>
       <p:ext uri="{BB962C8B-B14F-4D97-AF65-F5344CB8AC3E}">
-        <p14:creationId xmlns:p14="http://schemas.microsoft.com/office/powerpoint/2010/main" val="3299311307"/>
+        <p14:creationId xmlns:p14="http://schemas.microsoft.com/office/powerpoint/2010/main" val="3559414869"/>
       </p:ext>
     </p:extLst>
   </p:cSld>
@@ -2159,7 +2159,7 @@
           <p:cNvPr id="2" name="标题 1">
             <a:extLst>
               <a:ext uri="{FF2B5EF4-FFF2-40B4-BE49-F238E27FC236}">
-                <a16:creationId xmlns:a16="http://schemas.microsoft.com/office/drawing/2014/main" id="{1FA7E146-7B4E-F8A6-DFF9-11CE8E6DE380}"/>
+                <a16:creationId xmlns:a16="http://schemas.microsoft.com/office/drawing/2014/main" id="{48CBA139-01FD-B0B5-6394-CD8AE78A7D51}"/>
               </a:ext>
             </a:extLst>
           </p:cNvPr>
@@ -2196,7 +2196,7 @@
           <p:cNvPr id="3" name="内容占位符 2">
             <a:extLst>
               <a:ext uri="{FF2B5EF4-FFF2-40B4-BE49-F238E27FC236}">
-                <a16:creationId xmlns:a16="http://schemas.microsoft.com/office/drawing/2014/main" id="{49C3FD01-75E1-30C5-364E-3CF9087E548B}"/>
+                <a16:creationId xmlns:a16="http://schemas.microsoft.com/office/drawing/2014/main" id="{551CFE42-AC46-08F4-A1C7-143199CA8F83}"/>
               </a:ext>
             </a:extLst>
           </p:cNvPr>
@@ -2286,7 +2286,7 @@
           <p:cNvPr id="4" name="文本占位符 3">
             <a:extLst>
               <a:ext uri="{FF2B5EF4-FFF2-40B4-BE49-F238E27FC236}">
-                <a16:creationId xmlns:a16="http://schemas.microsoft.com/office/drawing/2014/main" id="{264799EF-95D5-84D8-CA1E-840DAD19D5F9}"/>
+                <a16:creationId xmlns:a16="http://schemas.microsoft.com/office/drawing/2014/main" id="{7C719AE9-6521-A981-ABD7-F9E5F9241096}"/>
               </a:ext>
             </a:extLst>
           </p:cNvPr>
@@ -2357,7 +2357,7 @@
           <p:cNvPr id="5" name="日期占位符 4">
             <a:extLst>
               <a:ext uri="{FF2B5EF4-FFF2-40B4-BE49-F238E27FC236}">
-                <a16:creationId xmlns:a16="http://schemas.microsoft.com/office/drawing/2014/main" id="{B78E27E9-DA4D-C656-066C-30AC2983200F}"/>
+                <a16:creationId xmlns:a16="http://schemas.microsoft.com/office/drawing/2014/main" id="{C451D628-41CC-C28B-423C-A7AD44CF0CD5}"/>
               </a:ext>
             </a:extLst>
           </p:cNvPr>
@@ -2373,7 +2373,7 @@
           <a:bodyPr/>
           <a:lstStyle/>
           <a:p>
-            <a:fld id="{183C4286-93D8-4C0B-A6F6-95B3F0704564}" type="datetimeFigureOut">
+            <a:fld id="{AE23C087-C6EB-4203-897A-9C20A8F91580}" type="datetimeFigureOut">
               <a:rPr lang="zh-CN" altLang="en-US" smtClean="0"/>
               <a:t>2024/3/10</a:t>
             </a:fld>
@@ -2386,7 +2386,7 @@
           <p:cNvPr id="6" name="页脚占位符 5">
             <a:extLst>
               <a:ext uri="{FF2B5EF4-FFF2-40B4-BE49-F238E27FC236}">
-                <a16:creationId xmlns:a16="http://schemas.microsoft.com/office/drawing/2014/main" id="{EE9E36C5-0121-3BD1-99C6-6F11412F3569}"/>
+                <a16:creationId xmlns:a16="http://schemas.microsoft.com/office/drawing/2014/main" id="{A5434DD8-74C6-C47A-8D86-D1DA5A9A8AEF}"/>
               </a:ext>
             </a:extLst>
           </p:cNvPr>
@@ -2411,7 +2411,7 @@
           <p:cNvPr id="7" name="灯片编号占位符 6">
             <a:extLst>
               <a:ext uri="{FF2B5EF4-FFF2-40B4-BE49-F238E27FC236}">
-                <a16:creationId xmlns:a16="http://schemas.microsoft.com/office/drawing/2014/main" id="{1C0040CD-0ED6-FDFC-7EDC-632A1D17E486}"/>
+                <a16:creationId xmlns:a16="http://schemas.microsoft.com/office/drawing/2014/main" id="{FC1584F6-49C8-5390-13FB-CF09A70F7156}"/>
               </a:ext>
             </a:extLst>
           </p:cNvPr>
@@ -2427,7 +2427,7 @@
           <a:bodyPr/>
           <a:lstStyle/>
           <a:p>
-            <a:fld id="{04586AE6-A61D-4AC1-988E-7DF21E92E7D9}" type="slidenum">
+            <a:fld id="{E883A7E2-68D9-42E4-B4E4-A1CF3B1EAAB2}" type="slidenum">
               <a:rPr lang="zh-CN" altLang="en-US" smtClean="0"/>
               <a:t>‹#›</a:t>
             </a:fld>
@@ -2438,7 +2438,7 @@
     </p:spTree>
     <p:extLst>
       <p:ext uri="{BB962C8B-B14F-4D97-AF65-F5344CB8AC3E}">
-        <p14:creationId xmlns:p14="http://schemas.microsoft.com/office/powerpoint/2010/main" val="3136890322"/>
+        <p14:creationId xmlns:p14="http://schemas.microsoft.com/office/powerpoint/2010/main" val="2098047143"/>
       </p:ext>
     </p:extLst>
   </p:cSld>
@@ -2470,7 +2470,7 @@
           <p:cNvPr id="2" name="标题 1">
             <a:extLst>
               <a:ext uri="{FF2B5EF4-FFF2-40B4-BE49-F238E27FC236}">
-                <a16:creationId xmlns:a16="http://schemas.microsoft.com/office/drawing/2014/main" id="{4D722153-046E-DA27-E7A9-584155215739}"/>
+                <a16:creationId xmlns:a16="http://schemas.microsoft.com/office/drawing/2014/main" id="{4CBC8E8B-BF4A-FA74-0796-BEE8BE675D72}"/>
               </a:ext>
             </a:extLst>
           </p:cNvPr>
@@ -2507,7 +2507,7 @@
           <p:cNvPr id="3" name="图片占位符 2">
             <a:extLst>
               <a:ext uri="{FF2B5EF4-FFF2-40B4-BE49-F238E27FC236}">
-                <a16:creationId xmlns:a16="http://schemas.microsoft.com/office/drawing/2014/main" id="{E766A01F-DAF0-8840-81F9-7358A7AF2200}"/>
+                <a16:creationId xmlns:a16="http://schemas.microsoft.com/office/drawing/2014/main" id="{A0272AAD-E312-2C31-DB9B-CAB0E95479B5}"/>
               </a:ext>
             </a:extLst>
           </p:cNvPr>
@@ -2574,7 +2574,7 @@
           <p:cNvPr id="4" name="文本占位符 3">
             <a:extLst>
               <a:ext uri="{FF2B5EF4-FFF2-40B4-BE49-F238E27FC236}">
-                <a16:creationId xmlns:a16="http://schemas.microsoft.com/office/drawing/2014/main" id="{B49001B2-7B3D-335C-CA22-5364783F7802}"/>
+                <a16:creationId xmlns:a16="http://schemas.microsoft.com/office/drawing/2014/main" id="{F8A5DB85-2985-B665-EF3B-48FFC69AF9E4}"/>
               </a:ext>
             </a:extLst>
           </p:cNvPr>
@@ -2645,7 +2645,7 @@
           <p:cNvPr id="5" name="日期占位符 4">
             <a:extLst>
               <a:ext uri="{FF2B5EF4-FFF2-40B4-BE49-F238E27FC236}">
-                <a16:creationId xmlns:a16="http://schemas.microsoft.com/office/drawing/2014/main" id="{2D2DA3B5-7E67-D565-E6F3-75AA55909992}"/>
+                <a16:creationId xmlns:a16="http://schemas.microsoft.com/office/drawing/2014/main" id="{3B59F97B-9F8B-64B2-833E-FBC029AEE125}"/>
               </a:ext>
             </a:extLst>
           </p:cNvPr>
@@ -2661,7 +2661,7 @@
           <a:bodyPr/>
           <a:lstStyle/>
           <a:p>
-            <a:fld id="{183C4286-93D8-4C0B-A6F6-95B3F0704564}" type="datetimeFigureOut">
+            <a:fld id="{AE23C087-C6EB-4203-897A-9C20A8F91580}" type="datetimeFigureOut">
               <a:rPr lang="zh-CN" altLang="en-US" smtClean="0"/>
               <a:t>2024/3/10</a:t>
             </a:fld>
@@ -2674,7 +2674,7 @@
           <p:cNvPr id="6" name="页脚占位符 5">
             <a:extLst>
               <a:ext uri="{FF2B5EF4-FFF2-40B4-BE49-F238E27FC236}">
-                <a16:creationId xmlns:a16="http://schemas.microsoft.com/office/drawing/2014/main" id="{87D0D5D0-0684-5949-1545-E7063B3196B9}"/>
+                <a16:creationId xmlns:a16="http://schemas.microsoft.com/office/drawing/2014/main" id="{CEA4A98C-E2E6-72C0-AD71-072CED71BF42}"/>
               </a:ext>
             </a:extLst>
           </p:cNvPr>
@@ -2699,7 +2699,7 @@
           <p:cNvPr id="7" name="灯片编号占位符 6">
             <a:extLst>
               <a:ext uri="{FF2B5EF4-FFF2-40B4-BE49-F238E27FC236}">
-                <a16:creationId xmlns:a16="http://schemas.microsoft.com/office/drawing/2014/main" id="{02932F4D-F59F-8812-6D27-AA8289CBF982}"/>
+                <a16:creationId xmlns:a16="http://schemas.microsoft.com/office/drawing/2014/main" id="{BB9FBC94-1544-CD50-0172-2BBAA3EF63A9}"/>
               </a:ext>
             </a:extLst>
           </p:cNvPr>
@@ -2715,7 +2715,7 @@
           <a:bodyPr/>
           <a:lstStyle/>
           <a:p>
-            <a:fld id="{04586AE6-A61D-4AC1-988E-7DF21E92E7D9}" type="slidenum">
+            <a:fld id="{E883A7E2-68D9-42E4-B4E4-A1CF3B1EAAB2}" type="slidenum">
               <a:rPr lang="zh-CN" altLang="en-US" smtClean="0"/>
               <a:t>‹#›</a:t>
             </a:fld>
@@ -2726,7 +2726,7 @@
     </p:spTree>
     <p:extLst>
       <p:ext uri="{BB962C8B-B14F-4D97-AF65-F5344CB8AC3E}">
-        <p14:creationId xmlns:p14="http://schemas.microsoft.com/office/powerpoint/2010/main" val="2196847862"/>
+        <p14:creationId xmlns:p14="http://schemas.microsoft.com/office/powerpoint/2010/main" val="1295807006"/>
       </p:ext>
     </p:extLst>
   </p:cSld>
@@ -2763,7 +2763,7 @@
           <p:cNvPr id="2" name="标题占位符 1">
             <a:extLst>
               <a:ext uri="{FF2B5EF4-FFF2-40B4-BE49-F238E27FC236}">
-                <a16:creationId xmlns:a16="http://schemas.microsoft.com/office/drawing/2014/main" id="{B35824B2-2F5C-89A3-46AD-0007FDB2F5AD}"/>
+                <a16:creationId xmlns:a16="http://schemas.microsoft.com/office/drawing/2014/main" id="{24FECC35-CC70-C381-6DAF-101160725D64}"/>
               </a:ext>
             </a:extLst>
           </p:cNvPr>
@@ -2801,7 +2801,7 @@
           <p:cNvPr id="3" name="文本占位符 2">
             <a:extLst>
               <a:ext uri="{FF2B5EF4-FFF2-40B4-BE49-F238E27FC236}">
-                <a16:creationId xmlns:a16="http://schemas.microsoft.com/office/drawing/2014/main" id="{3BD7AA0C-AA4A-7970-8EA2-A444FD810179}"/>
+                <a16:creationId xmlns:a16="http://schemas.microsoft.com/office/drawing/2014/main" id="{82A06AC5-39EF-CE2F-A6F4-3F64FE5060A0}"/>
               </a:ext>
             </a:extLst>
           </p:cNvPr>
@@ -2868,7 +2868,7 @@
           <p:cNvPr id="4" name="日期占位符 3">
             <a:extLst>
               <a:ext uri="{FF2B5EF4-FFF2-40B4-BE49-F238E27FC236}">
-                <a16:creationId xmlns:a16="http://schemas.microsoft.com/office/drawing/2014/main" id="{72A65DA8-77A7-5576-5FBE-750C034525FC}"/>
+                <a16:creationId xmlns:a16="http://schemas.microsoft.com/office/drawing/2014/main" id="{963F6F5B-9FD5-5ED6-35A2-E9E4E2579C16}"/>
               </a:ext>
             </a:extLst>
           </p:cNvPr>
@@ -2902,7 +2902,7 @@
             </a:lvl1pPr>
           </a:lstStyle>
           <a:p>
-            <a:fld id="{183C4286-93D8-4C0B-A6F6-95B3F0704564}" type="datetimeFigureOut">
+            <a:fld id="{AE23C087-C6EB-4203-897A-9C20A8F91580}" type="datetimeFigureOut">
               <a:rPr lang="zh-CN" altLang="en-US" smtClean="0"/>
               <a:t>2024/3/10</a:t>
             </a:fld>
@@ -2915,7 +2915,7 @@
           <p:cNvPr id="5" name="页脚占位符 4">
             <a:extLst>
               <a:ext uri="{FF2B5EF4-FFF2-40B4-BE49-F238E27FC236}">
-                <a16:creationId xmlns:a16="http://schemas.microsoft.com/office/drawing/2014/main" id="{21BC5936-5CCC-0017-D69E-F4F72A28A6BF}"/>
+                <a16:creationId xmlns:a16="http://schemas.microsoft.com/office/drawing/2014/main" id="{A7470F7A-ACEB-019E-45E6-14D5933F9D53}"/>
               </a:ext>
             </a:extLst>
           </p:cNvPr>
@@ -2958,7 +2958,7 @@
           <p:cNvPr id="6" name="灯片编号占位符 5">
             <a:extLst>
               <a:ext uri="{FF2B5EF4-FFF2-40B4-BE49-F238E27FC236}">
-                <a16:creationId xmlns:a16="http://schemas.microsoft.com/office/drawing/2014/main" id="{2AAFFFBC-76AE-0D64-764D-97F0196E7FF4}"/>
+                <a16:creationId xmlns:a16="http://schemas.microsoft.com/office/drawing/2014/main" id="{57043872-4A42-D8C1-A51A-4C32E5D70186}"/>
               </a:ext>
             </a:extLst>
           </p:cNvPr>
@@ -2992,7 +2992,7 @@
             </a:lvl1pPr>
           </a:lstStyle>
           <a:p>
-            <a:fld id="{04586AE6-A61D-4AC1-988E-7DF21E92E7D9}" type="slidenum">
+            <a:fld id="{E883A7E2-68D9-42E4-B4E4-A1CF3B1EAAB2}" type="slidenum">
               <a:rPr lang="zh-CN" altLang="en-US" smtClean="0"/>
               <a:t>‹#›</a:t>
             </a:fld>
@@ -3003,7 +3003,7 @@
     </p:spTree>
     <p:extLst>
       <p:ext uri="{BB962C8B-B14F-4D97-AF65-F5344CB8AC3E}">
-        <p14:creationId xmlns:p14="http://schemas.microsoft.com/office/powerpoint/2010/main" val="1826628624"/>
+        <p14:creationId xmlns:p14="http://schemas.microsoft.com/office/powerpoint/2010/main" val="1851152910"/>
       </p:ext>
     </p:extLst>
   </p:cSld>
